--- a/restaurants_presentation.pptx
+++ b/restaurants_presentation.pptx
@@ -7,14 +7,12 @@
   <p:sldIdLst>
     <p:sldId id="256" r:id="rId2"/>
     <p:sldId id="257" r:id="rId3"/>
-    <p:sldId id="258" r:id="rId4"/>
-    <p:sldId id="262" r:id="rId5"/>
-    <p:sldId id="263" r:id="rId6"/>
-    <p:sldId id="264" r:id="rId7"/>
-    <p:sldId id="265" r:id="rId8"/>
+    <p:sldId id="266" r:id="rId4"/>
+    <p:sldId id="258" r:id="rId5"/>
+    <p:sldId id="262" r:id="rId6"/>
+    <p:sldId id="263" r:id="rId7"/>
+    <p:sldId id="260" r:id="rId8"/>
     <p:sldId id="259" r:id="rId9"/>
-    <p:sldId id="260" r:id="rId10"/>
-    <p:sldId id="261" r:id="rId11"/>
   </p:sldIdLst>
   <p:sldSz cx="12192000" cy="6858000"/>
   <p:notesSz cx="6858000" cy="9144000"/>
@@ -113,6 +111,11 @@
       </a:defRPr>
     </a:lvl9pPr>
   </p:defaultTextStyle>
+  <p:extLst>
+    <p:ext uri="{EFAFB233-063F-42B5-8137-9DF3F51BA10A}">
+      <p15:sldGuideLst xmlns:p15="http://schemas.microsoft.com/office/powerpoint/2012/main"/>
+    </p:ext>
+  </p:extLst>
 </p:presentation>
 </file>
 
@@ -3028,8 +3031,8 @@
         </p:nvSpPr>
         <p:spPr>
           <a:xfrm>
-            <a:off x="2576956" y="2076021"/>
-            <a:ext cx="7057901" cy="2121725"/>
+            <a:off x="1695450" y="2076021"/>
+            <a:ext cx="8858250" cy="2121725"/>
           </a:xfrm>
           <a:prstGeom prst="roundRect">
             <a:avLst/>
@@ -3083,7 +3086,9 @@
           </a:xfrm>
         </p:spPr>
         <p:txBody>
-          <a:bodyPr/>
+          <a:bodyPr>
+            <a:normAutofit fontScale="90000"/>
+          </a:bodyPr>
           <a:lstStyle/>
           <a:p>
             <a:r>
@@ -3093,7 +3098,7 @@
                 </a:solidFill>
                 <a:latin typeface="Britannic Bold" panose="020B0903060703020204" pitchFamily="34" charset="0"/>
               </a:rPr>
-              <a:t>Restaurants in the </a:t>
+              <a:t>Fast Food Restaurants in the </a:t>
             </a:r>
             <a:br>
               <a:rPr lang="en-US" dirty="0">
@@ -3184,7 +3189,7 @@
           </a:xfrm>
         </p:spPr>
         <p:txBody>
-          <a:bodyPr>
+          <a:bodyPr anchor="ctr">
             <a:normAutofit/>
           </a:bodyPr>
           <a:lstStyle/>
@@ -3204,100 +3209,6 @@
     <p:extLst>
       <p:ext uri="{BB962C8B-B14F-4D97-AF65-F5344CB8AC3E}">
         <p14:creationId xmlns:p14="http://schemas.microsoft.com/office/powerpoint/2010/main" val="1430854728"/>
-      </p:ext>
-    </p:extLst>
-  </p:cSld>
-  <p:clrMapOvr>
-    <a:masterClrMapping/>
-  </p:clrMapOvr>
-</p:sld>
-</file>
-
-<file path=ppt/slides/slide10.xml><?xml version="1.0" encoding="utf-8"?>
-<p:sld xmlns:a="http://schemas.openxmlformats.org/drawingml/2006/main" xmlns:r="http://schemas.openxmlformats.org/officeDocument/2006/relationships" xmlns:p="http://schemas.openxmlformats.org/presentationml/2006/main">
-  <p:cSld>
-    <p:bg>
-      <p:bgPr>
-        <a:solidFill>
-          <a:schemeClr val="accent4">
-            <a:lumMod val="20000"/>
-            <a:lumOff val="80000"/>
-          </a:schemeClr>
-        </a:solidFill>
-        <a:effectLst/>
-      </p:bgPr>
-    </p:bg>
-    <p:spTree>
-      <p:nvGrpSpPr>
-        <p:cNvPr id="1" name=""/>
-        <p:cNvGrpSpPr/>
-        <p:nvPr/>
-      </p:nvGrpSpPr>
-      <p:grpSpPr>
-        <a:xfrm>
-          <a:off x="0" y="0"/>
-          <a:ext cx="0" cy="0"/>
-          <a:chOff x="0" y="0"/>
-          <a:chExt cx="0" cy="0"/>
-        </a:xfrm>
-      </p:grpSpPr>
-      <p:sp>
-        <p:nvSpPr>
-          <p:cNvPr id="2" name="Title 1">
-            <a:extLst>
-              <a:ext uri="{FF2B5EF4-FFF2-40B4-BE49-F238E27FC236}">
-                <a16:creationId xmlns:a16="http://schemas.microsoft.com/office/drawing/2014/main" id="{88D33691-B99D-7F34-2705-065274538205}"/>
-              </a:ext>
-            </a:extLst>
-          </p:cNvPr>
-          <p:cNvSpPr>
-            <a:spLocks noGrp="1"/>
-          </p:cNvSpPr>
-          <p:nvPr>
-            <p:ph type="title"/>
-          </p:nvPr>
-        </p:nvSpPr>
-        <p:spPr/>
-        <p:txBody>
-          <a:bodyPr/>
-          <a:lstStyle/>
-          <a:p>
-            <a:r>
-              <a:rPr lang="en-US" dirty="0"/>
-              <a:t>Credit</a:t>
-            </a:r>
-          </a:p>
-        </p:txBody>
-      </p:sp>
-      <p:sp>
-        <p:nvSpPr>
-          <p:cNvPr id="3" name="Content Placeholder 2">
-            <a:extLst>
-              <a:ext uri="{FF2B5EF4-FFF2-40B4-BE49-F238E27FC236}">
-                <a16:creationId xmlns:a16="http://schemas.microsoft.com/office/drawing/2014/main" id="{E8AAF675-9591-4B1B-C70B-C128FDEC059E}"/>
-              </a:ext>
-            </a:extLst>
-          </p:cNvPr>
-          <p:cNvSpPr>
-            <a:spLocks noGrp="1"/>
-          </p:cNvSpPr>
-          <p:nvPr>
-            <p:ph idx="1"/>
-          </p:nvPr>
-        </p:nvSpPr>
-        <p:spPr/>
-        <p:txBody>
-          <a:bodyPr/>
-          <a:lstStyle/>
-          <a:p>
-            <a:endParaRPr lang="en-US"/>
-          </a:p>
-        </p:txBody>
-      </p:sp>
-    </p:spTree>
-    <p:extLst>
-      <p:ext uri="{BB962C8B-B14F-4D97-AF65-F5344CB8AC3E}">
-        <p14:creationId xmlns:p14="http://schemas.microsoft.com/office/powerpoint/2010/main" val="2779979532"/>
       </p:ext>
     </p:extLst>
   </p:cSld>
@@ -3408,13 +3319,6 @@
             <a:pPr lvl="1"/>
             <a:r>
               <a:rPr lang="en-US" dirty="0"/>
-              <a:t>Most common types of restaurants in the United States</a:t>
-            </a:r>
-          </a:p>
-          <a:p>
-            <a:pPr lvl="1"/>
-            <a:r>
-              <a:rPr lang="en-US" dirty="0"/>
               <a:t>States with the most restaurants</a:t>
             </a:r>
           </a:p>
@@ -3423,6 +3327,13 @@
             <a:r>
               <a:rPr lang="en-US" dirty="0"/>
               <a:t>Number of restaurants per franchise</a:t>
+            </a:r>
+          </a:p>
+          <a:p>
+            <a:pPr lvl="1"/>
+            <a:r>
+              <a:rPr lang="en-US" dirty="0"/>
+              <a:t>Fast food restaurants with only 1 location compared with those with multiple locations</a:t>
             </a:r>
           </a:p>
         </p:txBody>
@@ -3491,43 +3402,416 @@
           <a:p>
             <a:r>
               <a:rPr lang="en-US" dirty="0"/>
-              <a:t>Data Cleaning</a:t>
-            </a:r>
-          </a:p>
-        </p:txBody>
-      </p:sp>
-      <p:sp>
-        <p:nvSpPr>
-          <p:cNvPr id="3" name="Content Placeholder 2">
+              <a:t>Dataset</a:t>
+            </a:r>
+          </a:p>
+        </p:txBody>
+      </p:sp>
+      <p:pic>
+        <p:nvPicPr>
+          <p:cNvPr id="5" name="Content Placeholder 4">
             <a:extLst>
               <a:ext uri="{FF2B5EF4-FFF2-40B4-BE49-F238E27FC236}">
-                <a16:creationId xmlns:a16="http://schemas.microsoft.com/office/drawing/2014/main" id="{E8AAF675-9591-4B1B-C70B-C128FDEC059E}"/>
+                <a16:creationId xmlns:a16="http://schemas.microsoft.com/office/drawing/2014/main" id="{143EE094-1F1B-C06C-1CB5-272839C57511}"/>
               </a:ext>
             </a:extLst>
           </p:cNvPr>
-          <p:cNvSpPr>
-            <a:spLocks noGrp="1"/>
-          </p:cNvSpPr>
+          <p:cNvPicPr>
+            <a:picLocks noGrp="1" noChangeAspect="1"/>
+          </p:cNvPicPr>
           <p:nvPr>
             <p:ph idx="1"/>
           </p:nvPr>
-        </p:nvSpPr>
-        <p:spPr/>
-        <p:txBody>
-          <a:bodyPr/>
-          <a:lstStyle/>
-          <a:p>
-            <a:pPr marL="0" indent="0">
-              <a:buNone/>
+        </p:nvPicPr>
+        <p:blipFill>
+          <a:blip r:embed="rId2"/>
+          <a:stretch>
+            <a:fillRect/>
+          </a:stretch>
+        </p:blipFill>
+        <p:spPr>
+          <a:xfrm>
+            <a:off x="609600" y="1857060"/>
+            <a:ext cx="7876568" cy="3834097"/>
+          </a:xfrm>
+        </p:spPr>
+      </p:pic>
+      <p:sp>
+        <p:nvSpPr>
+          <p:cNvPr id="7" name="TextBox 6">
+            <a:extLst>
+              <a:ext uri="{FF2B5EF4-FFF2-40B4-BE49-F238E27FC236}">
+                <a16:creationId xmlns:a16="http://schemas.microsoft.com/office/drawing/2014/main" id="{07E85778-CCC3-CE5A-8B42-F19D1AD1BE8A}"/>
+              </a:ext>
+            </a:extLst>
+          </p:cNvPr>
+          <p:cNvSpPr txBox="1"/>
+          <p:nvPr/>
+        </p:nvSpPr>
+        <p:spPr>
+          <a:xfrm>
+            <a:off x="8867775" y="1166842"/>
+            <a:ext cx="2267031" cy="4524315"/>
+          </a:xfrm>
+          <a:prstGeom prst="rect">
+            <a:avLst/>
+          </a:prstGeom>
+          <a:solidFill>
+            <a:schemeClr val="accent4"/>
+          </a:solidFill>
+          <a:ln w="19050">
+            <a:solidFill>
+              <a:srgbClr val="FF0000"/>
+            </a:solidFill>
+          </a:ln>
+        </p:spPr>
+        <p:txBody>
+          <a:bodyPr wrap="none" rtlCol="0">
+            <a:spAutoFit/>
+          </a:bodyPr>
+          <a:lstStyle/>
+          <a:p>
+            <a:r>
+              <a:rPr lang="en-US" sz="1800" b="1" i="0" u="sng" strike="noStrike" dirty="0">
+                <a:solidFill>
+                  <a:srgbClr val="000000"/>
+                </a:solidFill>
+                <a:effectLst/>
+                <a:latin typeface="Calibri" panose="020F0502020204030204" pitchFamily="34" charset="0"/>
+              </a:rPr>
+              <a:t>Columns</a:t>
+            </a:r>
+            <a:r>
+              <a:rPr lang="en-US" sz="1800" b="0" i="0" u="none" strike="noStrike" dirty="0">
+                <a:solidFill>
+                  <a:srgbClr val="000000"/>
+                </a:solidFill>
+                <a:effectLst/>
+                <a:latin typeface="Calibri" panose="020F0502020204030204" pitchFamily="34" charset="0"/>
+              </a:rPr>
+              <a:t>:</a:t>
+            </a:r>
+          </a:p>
+          <a:p>
+            <a:pPr marL="285750" indent="-285750">
+              <a:buFont typeface="Arial" panose="020B0604020202020204" pitchFamily="34" charset="0"/>
+              <a:buChar char="•"/>
             </a:pPr>
-            <a:endParaRPr lang="en-US" dirty="0"/>
+            <a:r>
+              <a:rPr lang="en-US" sz="1800" b="0" i="0" u="none" strike="noStrike" dirty="0">
+                <a:solidFill>
+                  <a:srgbClr val="000000"/>
+                </a:solidFill>
+                <a:effectLst/>
+                <a:latin typeface="Calibri" panose="020F0502020204030204" pitchFamily="34" charset="0"/>
+              </a:rPr>
+              <a:t>id</a:t>
+            </a:r>
+            <a:r>
+              <a:rPr lang="en-US" dirty="0"/>
+              <a:t> </a:t>
+            </a:r>
+          </a:p>
+          <a:p>
+            <a:pPr marL="285750" indent="-285750">
+              <a:buFont typeface="Arial" panose="020B0604020202020204" pitchFamily="34" charset="0"/>
+              <a:buChar char="•"/>
+            </a:pPr>
+            <a:r>
+              <a:rPr lang="en-US" sz="1800" b="0" i="0" u="none" strike="noStrike" dirty="0" err="1">
+                <a:solidFill>
+                  <a:srgbClr val="000000"/>
+                </a:solidFill>
+                <a:effectLst/>
+                <a:latin typeface="Calibri" panose="020F0502020204030204" pitchFamily="34" charset="0"/>
+              </a:rPr>
+              <a:t>dateAdded</a:t>
+            </a:r>
+            <a:r>
+              <a:rPr lang="en-US" dirty="0"/>
+              <a:t> </a:t>
+            </a:r>
+          </a:p>
+          <a:p>
+            <a:pPr marL="285750" indent="-285750">
+              <a:buFont typeface="Arial" panose="020B0604020202020204" pitchFamily="34" charset="0"/>
+              <a:buChar char="•"/>
+            </a:pPr>
+            <a:r>
+              <a:rPr lang="en-US" sz="1800" b="0" i="0" u="none" strike="noStrike" dirty="0" err="1">
+                <a:solidFill>
+                  <a:srgbClr val="000000"/>
+                </a:solidFill>
+                <a:effectLst/>
+                <a:latin typeface="Calibri" panose="020F0502020204030204" pitchFamily="34" charset="0"/>
+              </a:rPr>
+              <a:t>dateUpdated</a:t>
+            </a:r>
+            <a:r>
+              <a:rPr lang="en-US" dirty="0"/>
+              <a:t> </a:t>
+            </a:r>
+          </a:p>
+          <a:p>
+            <a:pPr marL="285750" indent="-285750">
+              <a:buFont typeface="Arial" panose="020B0604020202020204" pitchFamily="34" charset="0"/>
+              <a:buChar char="•"/>
+            </a:pPr>
+            <a:r>
+              <a:rPr lang="en-US" sz="1800" b="0" i="0" u="none" strike="noStrike" dirty="0">
+                <a:solidFill>
+                  <a:srgbClr val="000000"/>
+                </a:solidFill>
+                <a:effectLst/>
+                <a:latin typeface="Calibri" panose="020F0502020204030204" pitchFamily="34" charset="0"/>
+              </a:rPr>
+              <a:t>address</a:t>
+            </a:r>
+            <a:r>
+              <a:rPr lang="en-US" dirty="0"/>
+              <a:t> </a:t>
+            </a:r>
+            <a:r>
+              <a:rPr lang="en-US" sz="1800" b="0" i="0" u="none" strike="noStrike" dirty="0">
+                <a:solidFill>
+                  <a:srgbClr val="000000"/>
+                </a:solidFill>
+                <a:effectLst/>
+                <a:latin typeface="Calibri" panose="020F0502020204030204" pitchFamily="34" charset="0"/>
+              </a:rPr>
+              <a:t>categories</a:t>
+            </a:r>
+            <a:r>
+              <a:rPr lang="en-US" dirty="0"/>
+              <a:t> </a:t>
+            </a:r>
+          </a:p>
+          <a:p>
+            <a:pPr marL="285750" indent="-285750">
+              <a:buFont typeface="Arial" panose="020B0604020202020204" pitchFamily="34" charset="0"/>
+              <a:buChar char="•"/>
+            </a:pPr>
+            <a:r>
+              <a:rPr lang="en-US" sz="1800" b="0" i="0" u="none" strike="noStrike" dirty="0" err="1">
+                <a:solidFill>
+                  <a:srgbClr val="000000"/>
+                </a:solidFill>
+                <a:effectLst/>
+                <a:latin typeface="Calibri" panose="020F0502020204030204" pitchFamily="34" charset="0"/>
+              </a:rPr>
+              <a:t>primaryCategories</a:t>
+            </a:r>
+            <a:r>
+              <a:rPr lang="en-US" dirty="0"/>
+              <a:t> </a:t>
+            </a:r>
+          </a:p>
+          <a:p>
+            <a:pPr marL="285750" indent="-285750">
+              <a:buFont typeface="Arial" panose="020B0604020202020204" pitchFamily="34" charset="0"/>
+              <a:buChar char="•"/>
+            </a:pPr>
+            <a:r>
+              <a:rPr lang="en-US" sz="1800" b="0" i="0" u="none" strike="noStrike" dirty="0">
+                <a:solidFill>
+                  <a:srgbClr val="000000"/>
+                </a:solidFill>
+                <a:effectLst/>
+                <a:latin typeface="Calibri" panose="020F0502020204030204" pitchFamily="34" charset="0"/>
+              </a:rPr>
+              <a:t>city</a:t>
+            </a:r>
+            <a:r>
+              <a:rPr lang="en-US" dirty="0"/>
+              <a:t> </a:t>
+            </a:r>
+          </a:p>
+          <a:p>
+            <a:pPr marL="285750" indent="-285750">
+              <a:buFont typeface="Arial" panose="020B0604020202020204" pitchFamily="34" charset="0"/>
+              <a:buChar char="•"/>
+            </a:pPr>
+            <a:r>
+              <a:rPr lang="en-US" sz="1800" b="0" i="0" u="none" strike="noStrike" dirty="0">
+                <a:solidFill>
+                  <a:srgbClr val="000000"/>
+                </a:solidFill>
+                <a:effectLst/>
+                <a:latin typeface="Calibri" panose="020F0502020204030204" pitchFamily="34" charset="0"/>
+              </a:rPr>
+              <a:t>country</a:t>
+            </a:r>
+            <a:r>
+              <a:rPr lang="en-US" dirty="0"/>
+              <a:t> </a:t>
+            </a:r>
+          </a:p>
+          <a:p>
+            <a:pPr marL="285750" indent="-285750">
+              <a:buFont typeface="Arial" panose="020B0604020202020204" pitchFamily="34" charset="0"/>
+              <a:buChar char="•"/>
+            </a:pPr>
+            <a:r>
+              <a:rPr lang="en-US" sz="1800" b="0" i="0" u="none" strike="noStrike" dirty="0">
+                <a:solidFill>
+                  <a:srgbClr val="000000"/>
+                </a:solidFill>
+                <a:effectLst/>
+                <a:latin typeface="Calibri" panose="020F0502020204030204" pitchFamily="34" charset="0"/>
+              </a:rPr>
+              <a:t>keys</a:t>
+            </a:r>
+            <a:r>
+              <a:rPr lang="en-US" dirty="0"/>
+              <a:t> </a:t>
+            </a:r>
+          </a:p>
+          <a:p>
+            <a:pPr marL="285750" indent="-285750">
+              <a:buFont typeface="Arial" panose="020B0604020202020204" pitchFamily="34" charset="0"/>
+              <a:buChar char="•"/>
+            </a:pPr>
+            <a:r>
+              <a:rPr lang="en-US" sz="1800" b="0" i="0" u="none" strike="noStrike" dirty="0">
+                <a:solidFill>
+                  <a:srgbClr val="000000"/>
+                </a:solidFill>
+                <a:effectLst/>
+                <a:latin typeface="Calibri" panose="020F0502020204030204" pitchFamily="34" charset="0"/>
+              </a:rPr>
+              <a:t>latitude</a:t>
+            </a:r>
+            <a:r>
+              <a:rPr lang="en-US" dirty="0"/>
+              <a:t> </a:t>
+            </a:r>
+          </a:p>
+          <a:p>
+            <a:pPr marL="285750" indent="-285750">
+              <a:buFont typeface="Arial" panose="020B0604020202020204" pitchFamily="34" charset="0"/>
+              <a:buChar char="•"/>
+            </a:pPr>
+            <a:r>
+              <a:rPr lang="en-US" sz="1800" b="0" i="0" u="none" strike="noStrike" dirty="0">
+                <a:solidFill>
+                  <a:srgbClr val="000000"/>
+                </a:solidFill>
+                <a:effectLst/>
+                <a:latin typeface="Calibri" panose="020F0502020204030204" pitchFamily="34" charset="0"/>
+              </a:rPr>
+              <a:t>longitude</a:t>
+            </a:r>
+            <a:r>
+              <a:rPr lang="en-US" dirty="0"/>
+              <a:t> </a:t>
+            </a:r>
+          </a:p>
+          <a:p>
+            <a:pPr marL="285750" indent="-285750">
+              <a:buFont typeface="Arial" panose="020B0604020202020204" pitchFamily="34" charset="0"/>
+              <a:buChar char="•"/>
+            </a:pPr>
+            <a:r>
+              <a:rPr lang="en-US" sz="1800" b="0" i="0" u="none" strike="noStrike" dirty="0">
+                <a:solidFill>
+                  <a:srgbClr val="000000"/>
+                </a:solidFill>
+                <a:effectLst/>
+                <a:latin typeface="Calibri" panose="020F0502020204030204" pitchFamily="34" charset="0"/>
+              </a:rPr>
+              <a:t>name</a:t>
+            </a:r>
+            <a:r>
+              <a:rPr lang="en-US" dirty="0"/>
+              <a:t> </a:t>
+            </a:r>
+          </a:p>
+          <a:p>
+            <a:pPr marL="285750" indent="-285750">
+              <a:buFont typeface="Arial" panose="020B0604020202020204" pitchFamily="34" charset="0"/>
+              <a:buChar char="•"/>
+            </a:pPr>
+            <a:r>
+              <a:rPr lang="en-US" sz="1800" b="0" i="0" u="none" strike="noStrike" dirty="0" err="1">
+                <a:solidFill>
+                  <a:srgbClr val="000000"/>
+                </a:solidFill>
+                <a:effectLst/>
+                <a:latin typeface="Calibri" panose="020F0502020204030204" pitchFamily="34" charset="0"/>
+              </a:rPr>
+              <a:t>postalCode</a:t>
+            </a:r>
+            <a:r>
+              <a:rPr lang="en-US" dirty="0"/>
+              <a:t> </a:t>
+            </a:r>
+          </a:p>
+          <a:p>
+            <a:pPr marL="285750" indent="-285750">
+              <a:buFont typeface="Arial" panose="020B0604020202020204" pitchFamily="34" charset="0"/>
+              <a:buChar char="•"/>
+            </a:pPr>
+            <a:r>
+              <a:rPr lang="en-US" sz="1800" b="0" i="0" u="none" strike="noStrike" dirty="0">
+                <a:solidFill>
+                  <a:srgbClr val="000000"/>
+                </a:solidFill>
+                <a:effectLst/>
+                <a:latin typeface="Calibri" panose="020F0502020204030204" pitchFamily="34" charset="0"/>
+              </a:rPr>
+              <a:t>province</a:t>
+            </a:r>
+            <a:r>
+              <a:rPr lang="en-US" dirty="0"/>
+              <a:t> </a:t>
+            </a:r>
+          </a:p>
+          <a:p>
+            <a:pPr marL="285750" indent="-285750">
+              <a:buFont typeface="Arial" panose="020B0604020202020204" pitchFamily="34" charset="0"/>
+              <a:buChar char="•"/>
+            </a:pPr>
+            <a:r>
+              <a:rPr lang="en-US" sz="1800" b="0" i="0" u="none" strike="noStrike" dirty="0" err="1">
+                <a:solidFill>
+                  <a:srgbClr val="000000"/>
+                </a:solidFill>
+                <a:effectLst/>
+                <a:latin typeface="Calibri" panose="020F0502020204030204" pitchFamily="34" charset="0"/>
+              </a:rPr>
+              <a:t>sourceURLs</a:t>
+            </a:r>
+            <a:r>
+              <a:rPr lang="en-US" dirty="0"/>
+              <a:t> </a:t>
+            </a:r>
+          </a:p>
+          <a:p>
+            <a:pPr marL="285750" indent="-285750">
+              <a:buFont typeface="Arial" panose="020B0604020202020204" pitchFamily="34" charset="0"/>
+              <a:buChar char="•"/>
+            </a:pPr>
+            <a:r>
+              <a:rPr lang="en-US" sz="1800" b="0" i="0" u="none" strike="noStrike" dirty="0">
+                <a:solidFill>
+                  <a:srgbClr val="000000"/>
+                </a:solidFill>
+                <a:effectLst/>
+                <a:latin typeface="Calibri" panose="020F0502020204030204" pitchFamily="34" charset="0"/>
+              </a:rPr>
+              <a:t>websites</a:t>
+            </a:r>
+            <a:r>
+              <a:rPr lang="en-US" dirty="0"/>
+              <a:t> </a:t>
+            </a:r>
           </a:p>
         </p:txBody>
       </p:sp>
     </p:spTree>
     <p:extLst>
       <p:ext uri="{BB962C8B-B14F-4D97-AF65-F5344CB8AC3E}">
-        <p14:creationId xmlns:p14="http://schemas.microsoft.com/office/powerpoint/2010/main" val="3691482293"/>
+        <p14:creationId xmlns:p14="http://schemas.microsoft.com/office/powerpoint/2010/main" val="133301753"/>
       </p:ext>
     </p:extLst>
   </p:cSld>
@@ -3588,7 +3872,7 @@
           <a:p>
             <a:r>
               <a:rPr lang="en-US" dirty="0"/>
-              <a:t>Database Creation</a:t>
+              <a:t>Data Cleaning</a:t>
             </a:r>
           </a:p>
         </p:txBody>
@@ -3609,22 +3893,178 @@
             <p:ph idx="1"/>
           </p:nvPr>
         </p:nvSpPr>
-        <p:spPr/>
-        <p:txBody>
-          <a:bodyPr/>
-          <a:lstStyle/>
-          <a:p>
-            <a:pPr marL="0" indent="0">
+        <p:spPr>
+          <a:xfrm>
+            <a:off x="274319" y="1825625"/>
+            <a:ext cx="3811906" cy="4351338"/>
+          </a:xfrm>
+          <a:solidFill>
+            <a:schemeClr val="accent4"/>
+          </a:solidFill>
+          <a:ln w="19050">
+            <a:solidFill>
+              <a:srgbClr val="FF0000"/>
+            </a:solidFill>
+          </a:ln>
+        </p:spPr>
+        <p:txBody>
+          <a:bodyPr>
+            <a:normAutofit/>
+          </a:bodyPr>
+          <a:lstStyle/>
+          <a:p>
+            <a:pPr marL="0" indent="0" algn="ctr">
               <a:buNone/>
             </a:pPr>
-            <a:endParaRPr lang="en-US" dirty="0"/>
+            <a:r>
+              <a:rPr lang="en-US" sz="2000" b="1" u="sng" dirty="0"/>
+              <a:t>Many common category keywords were identified:</a:t>
+            </a:r>
+          </a:p>
+          <a:p>
+            <a:pPr lvl="1"/>
+            <a:r>
+              <a:rPr lang="en-US" dirty="0"/>
+              <a:t>Hamburgers</a:t>
+            </a:r>
+          </a:p>
+          <a:p>
+            <a:pPr lvl="1"/>
+            <a:r>
+              <a:rPr lang="en-US" dirty="0"/>
+              <a:t>Hot dogs</a:t>
+            </a:r>
+          </a:p>
+          <a:p>
+            <a:pPr lvl="1"/>
+            <a:r>
+              <a:rPr lang="en-US" dirty="0"/>
+              <a:t>Ice cream</a:t>
+            </a:r>
+          </a:p>
+          <a:p>
+            <a:pPr lvl="1"/>
+            <a:r>
+              <a:rPr lang="en-US" dirty="0"/>
+              <a:t>Sandwich</a:t>
+            </a:r>
+          </a:p>
+          <a:p>
+            <a:pPr lvl="1"/>
+            <a:r>
+              <a:rPr lang="en-US" dirty="0"/>
+              <a:t>Breakfast</a:t>
+            </a:r>
+          </a:p>
+          <a:p>
+            <a:pPr lvl="1"/>
+            <a:r>
+              <a:rPr lang="en-US" dirty="0"/>
+              <a:t>Chicken</a:t>
+            </a:r>
+          </a:p>
+          <a:p>
+            <a:pPr lvl="1"/>
+            <a:r>
+              <a:rPr lang="en-US" dirty="0"/>
+              <a:t>Pizza</a:t>
+            </a:r>
+          </a:p>
+          <a:p>
+            <a:pPr lvl="1"/>
+            <a:r>
+              <a:rPr lang="en-US" dirty="0"/>
+              <a:t>Chicken</a:t>
+            </a:r>
+          </a:p>
+        </p:txBody>
+      </p:sp>
+      <p:pic>
+        <p:nvPicPr>
+          <p:cNvPr id="5" name="Picture 4">
+            <a:extLst>
+              <a:ext uri="{FF2B5EF4-FFF2-40B4-BE49-F238E27FC236}">
+                <a16:creationId xmlns:a16="http://schemas.microsoft.com/office/drawing/2014/main" id="{8D37C41A-22AF-9480-BDB1-0E8AEF97BF6E}"/>
+              </a:ext>
+            </a:extLst>
+          </p:cNvPr>
+          <p:cNvPicPr>
+            <a:picLocks noChangeAspect="1"/>
+          </p:cNvPicPr>
+          <p:nvPr/>
+        </p:nvPicPr>
+        <p:blipFill>
+          <a:blip r:embed="rId2"/>
+          <a:stretch>
+            <a:fillRect/>
+          </a:stretch>
+        </p:blipFill>
+        <p:spPr>
+          <a:xfrm>
+            <a:off x="4200537" y="2078285"/>
+            <a:ext cx="7717144" cy="3846018"/>
+          </a:xfrm>
+          <a:prstGeom prst="rect">
+            <a:avLst/>
+          </a:prstGeom>
+        </p:spPr>
+      </p:pic>
+      <p:sp>
+        <p:nvSpPr>
+          <p:cNvPr id="6" name="Rectangle 5">
+            <a:extLst>
+              <a:ext uri="{FF2B5EF4-FFF2-40B4-BE49-F238E27FC236}">
+                <a16:creationId xmlns:a16="http://schemas.microsoft.com/office/drawing/2014/main" id="{F156CE42-165A-D56B-9DFE-A90944D1DDA1}"/>
+              </a:ext>
+            </a:extLst>
+          </p:cNvPr>
+          <p:cNvSpPr/>
+          <p:nvPr/>
+        </p:nvSpPr>
+        <p:spPr>
+          <a:xfrm>
+            <a:off x="4295775" y="3771900"/>
+            <a:ext cx="5048250" cy="2076450"/>
+          </a:xfrm>
+          <a:prstGeom prst="rect">
+            <a:avLst/>
+          </a:prstGeom>
+          <a:noFill/>
+          <a:ln w="38100">
+            <a:solidFill>
+              <a:srgbClr val="FFFF00"/>
+            </a:solidFill>
+          </a:ln>
+        </p:spPr>
+        <p:style>
+          <a:lnRef idx="2">
+            <a:schemeClr val="accent1">
+              <a:shade val="15000"/>
+            </a:schemeClr>
+          </a:lnRef>
+          <a:fillRef idx="1">
+            <a:schemeClr val="accent1"/>
+          </a:fillRef>
+          <a:effectRef idx="0">
+            <a:schemeClr val="accent1"/>
+          </a:effectRef>
+          <a:fontRef idx="minor">
+            <a:schemeClr val="lt1"/>
+          </a:fontRef>
+        </p:style>
+        <p:txBody>
+          <a:bodyPr rtlCol="0" anchor="ctr"/>
+          <a:lstStyle/>
+          <a:p>
+            <a:pPr algn="ctr"/>
+            <a:endParaRPr lang="en-US"/>
           </a:p>
         </p:txBody>
       </p:sp>
     </p:spTree>
     <p:extLst>
       <p:ext uri="{BB962C8B-B14F-4D97-AF65-F5344CB8AC3E}">
-        <p14:creationId xmlns:p14="http://schemas.microsoft.com/office/powerpoint/2010/main" val="1018872124"/>
+        <p14:creationId xmlns:p14="http://schemas.microsoft.com/office/powerpoint/2010/main" val="3691482293"/>
       </p:ext>
     </p:extLst>
   </p:cSld>
@@ -3685,7 +4125,7 @@
           <a:p>
             <a:r>
               <a:rPr lang="en-US" dirty="0"/>
-              <a:t>Creation of HTML File</a:t>
+              <a:t>Database Creation</a:t>
             </a:r>
           </a:p>
         </p:txBody>
@@ -3718,10 +4158,70 @@
           </a:p>
         </p:txBody>
       </p:sp>
+      <p:pic>
+        <p:nvPicPr>
+          <p:cNvPr id="5" name="Picture 4">
+            <a:extLst>
+              <a:ext uri="{FF2B5EF4-FFF2-40B4-BE49-F238E27FC236}">
+                <a16:creationId xmlns:a16="http://schemas.microsoft.com/office/drawing/2014/main" id="{698775A5-45D9-6B60-6D62-6EE21153DC95}"/>
+              </a:ext>
+            </a:extLst>
+          </p:cNvPr>
+          <p:cNvPicPr>
+            <a:picLocks noChangeAspect="1"/>
+          </p:cNvPicPr>
+          <p:nvPr/>
+        </p:nvPicPr>
+        <p:blipFill>
+          <a:blip r:embed="rId2"/>
+          <a:stretch>
+            <a:fillRect/>
+          </a:stretch>
+        </p:blipFill>
+        <p:spPr>
+          <a:xfrm>
+            <a:off x="457200" y="1560751"/>
+            <a:ext cx="6086550" cy="3220799"/>
+          </a:xfrm>
+          <a:prstGeom prst="rect">
+            <a:avLst/>
+          </a:prstGeom>
+        </p:spPr>
+      </p:pic>
+      <p:pic>
+        <p:nvPicPr>
+          <p:cNvPr id="7" name="Picture 6">
+            <a:extLst>
+              <a:ext uri="{FF2B5EF4-FFF2-40B4-BE49-F238E27FC236}">
+                <a16:creationId xmlns:a16="http://schemas.microsoft.com/office/drawing/2014/main" id="{C32FF8B5-5B81-860F-6FA9-A907085819A7}"/>
+              </a:ext>
+            </a:extLst>
+          </p:cNvPr>
+          <p:cNvPicPr>
+            <a:picLocks noChangeAspect="1"/>
+          </p:cNvPicPr>
+          <p:nvPr/>
+        </p:nvPicPr>
+        <p:blipFill>
+          <a:blip r:embed="rId3"/>
+          <a:stretch>
+            <a:fillRect/>
+          </a:stretch>
+        </p:blipFill>
+        <p:spPr>
+          <a:xfrm>
+            <a:off x="5676899" y="2886313"/>
+            <a:ext cx="6098163" cy="3695461"/>
+          </a:xfrm>
+          <a:prstGeom prst="rect">
+            <a:avLst/>
+          </a:prstGeom>
+        </p:spPr>
+      </p:pic>
     </p:spTree>
     <p:extLst>
       <p:ext uri="{BB962C8B-B14F-4D97-AF65-F5344CB8AC3E}">
-        <p14:creationId xmlns:p14="http://schemas.microsoft.com/office/powerpoint/2010/main" val="1301664293"/>
+        <p14:creationId xmlns:p14="http://schemas.microsoft.com/office/powerpoint/2010/main" val="1018872124"/>
       </p:ext>
     </p:extLst>
   </p:cSld>
@@ -3777,48 +4277,222 @@
         </p:nvSpPr>
         <p:spPr/>
         <p:txBody>
-          <a:bodyPr/>
+          <a:bodyPr>
+            <a:normAutofit/>
+          </a:bodyPr>
           <a:lstStyle/>
           <a:p>
             <a:r>
               <a:rPr lang="en-US" dirty="0"/>
-              <a:t>Creation of CSS File</a:t>
-            </a:r>
-          </a:p>
-        </p:txBody>
-      </p:sp>
-      <p:sp>
-        <p:nvSpPr>
-          <p:cNvPr id="3" name="Content Placeholder 2">
+              <a:t>Creation of HTML, JavaScript, and CSS Files and the API</a:t>
+            </a:r>
+          </a:p>
+        </p:txBody>
+      </p:sp>
+      <p:pic>
+        <p:nvPicPr>
+          <p:cNvPr id="7" name="Content Placeholder 6">
             <a:extLst>
               <a:ext uri="{FF2B5EF4-FFF2-40B4-BE49-F238E27FC236}">
-                <a16:creationId xmlns:a16="http://schemas.microsoft.com/office/drawing/2014/main" id="{E8AAF675-9591-4B1B-C70B-C128FDEC059E}"/>
+                <a16:creationId xmlns:a16="http://schemas.microsoft.com/office/drawing/2014/main" id="{105B956B-704C-790D-78B8-0897670556E4}"/>
               </a:ext>
             </a:extLst>
           </p:cNvPr>
-          <p:cNvSpPr>
-            <a:spLocks noGrp="1"/>
-          </p:cNvSpPr>
+          <p:cNvPicPr>
+            <a:picLocks noGrp="1" noChangeAspect="1"/>
+          </p:cNvPicPr>
           <p:nvPr>
             <p:ph idx="1"/>
           </p:nvPr>
-        </p:nvSpPr>
-        <p:spPr/>
-        <p:txBody>
-          <a:bodyPr/>
-          <a:lstStyle/>
-          <a:p>
-            <a:pPr marL="0" indent="0">
-              <a:buNone/>
-            </a:pPr>
-            <a:endParaRPr lang="en-US" dirty="0"/>
+        </p:nvPicPr>
+        <p:blipFill>
+          <a:blip r:embed="rId2"/>
+          <a:stretch>
+            <a:fillRect/>
+          </a:stretch>
+        </p:blipFill>
+        <p:spPr>
+          <a:xfrm>
+            <a:off x="8221873" y="2342268"/>
+            <a:ext cx="3754915" cy="1679934"/>
+          </a:xfrm>
+        </p:spPr>
+      </p:pic>
+      <p:pic>
+        <p:nvPicPr>
+          <p:cNvPr id="5" name="Picture 4">
+            <a:extLst>
+              <a:ext uri="{FF2B5EF4-FFF2-40B4-BE49-F238E27FC236}">
+                <a16:creationId xmlns:a16="http://schemas.microsoft.com/office/drawing/2014/main" id="{2A094194-97DD-99D4-8D84-265837B59E3B}"/>
+              </a:ext>
+            </a:extLst>
+          </p:cNvPr>
+          <p:cNvPicPr>
+            <a:picLocks noChangeAspect="1"/>
+          </p:cNvPicPr>
+          <p:nvPr/>
+        </p:nvPicPr>
+        <p:blipFill>
+          <a:blip r:embed="rId3"/>
+          <a:stretch>
+            <a:fillRect/>
+          </a:stretch>
+        </p:blipFill>
+        <p:spPr>
+          <a:xfrm>
+            <a:off x="4316623" y="2340014"/>
+            <a:ext cx="3741044" cy="1679934"/>
+          </a:xfrm>
+          <a:prstGeom prst="rect">
+            <a:avLst/>
+          </a:prstGeom>
+        </p:spPr>
+      </p:pic>
+      <p:pic>
+        <p:nvPicPr>
+          <p:cNvPr id="9" name="Picture 8">
+            <a:extLst>
+              <a:ext uri="{FF2B5EF4-FFF2-40B4-BE49-F238E27FC236}">
+                <a16:creationId xmlns:a16="http://schemas.microsoft.com/office/drawing/2014/main" id="{FDB22578-A09D-CD73-261B-1E56DFAE3DBC}"/>
+              </a:ext>
+            </a:extLst>
+          </p:cNvPr>
+          <p:cNvPicPr>
+            <a:picLocks noChangeAspect="1"/>
+          </p:cNvPicPr>
+          <p:nvPr/>
+        </p:nvPicPr>
+        <p:blipFill>
+          <a:blip r:embed="rId4"/>
+          <a:stretch>
+            <a:fillRect/>
+          </a:stretch>
+        </p:blipFill>
+        <p:spPr>
+          <a:xfrm>
+            <a:off x="368443" y="4179230"/>
+            <a:ext cx="3754915" cy="1679727"/>
+          </a:xfrm>
+          <a:prstGeom prst="rect">
+            <a:avLst/>
+          </a:prstGeom>
+        </p:spPr>
+      </p:pic>
+      <p:pic>
+        <p:nvPicPr>
+          <p:cNvPr id="11" name="Picture 10">
+            <a:extLst>
+              <a:ext uri="{FF2B5EF4-FFF2-40B4-BE49-F238E27FC236}">
+                <a16:creationId xmlns:a16="http://schemas.microsoft.com/office/drawing/2014/main" id="{FCC0350E-5CC5-673D-5A26-BC537340C721}"/>
+              </a:ext>
+            </a:extLst>
+          </p:cNvPr>
+          <p:cNvPicPr>
+            <a:picLocks noChangeAspect="1"/>
+          </p:cNvPicPr>
+          <p:nvPr/>
+        </p:nvPicPr>
+        <p:blipFill>
+          <a:blip r:embed="rId5"/>
+          <a:stretch>
+            <a:fillRect/>
+          </a:stretch>
+        </p:blipFill>
+        <p:spPr>
+          <a:xfrm>
+            <a:off x="4302751" y="4179230"/>
+            <a:ext cx="3754916" cy="1672983"/>
+          </a:xfrm>
+          <a:prstGeom prst="rect">
+            <a:avLst/>
+          </a:prstGeom>
+        </p:spPr>
+      </p:pic>
+      <p:pic>
+        <p:nvPicPr>
+          <p:cNvPr id="13" name="Picture 12">
+            <a:extLst>
+              <a:ext uri="{FF2B5EF4-FFF2-40B4-BE49-F238E27FC236}">
+                <a16:creationId xmlns:a16="http://schemas.microsoft.com/office/drawing/2014/main" id="{C7AF09CD-2B97-02CB-31F8-0B3CCB1B4916}"/>
+              </a:ext>
+            </a:extLst>
+          </p:cNvPr>
+          <p:cNvPicPr>
+            <a:picLocks noChangeAspect="1"/>
+          </p:cNvPicPr>
+          <p:nvPr/>
+        </p:nvPicPr>
+        <p:blipFill>
+          <a:blip r:embed="rId6"/>
+          <a:stretch>
+            <a:fillRect/>
+          </a:stretch>
+        </p:blipFill>
+        <p:spPr>
+          <a:xfrm>
+            <a:off x="8237060" y="4179230"/>
+            <a:ext cx="3754915" cy="1674067"/>
+          </a:xfrm>
+          <a:prstGeom prst="rect">
+            <a:avLst/>
+          </a:prstGeom>
+        </p:spPr>
+      </p:pic>
+      <p:sp>
+        <p:nvSpPr>
+          <p:cNvPr id="14" name="TextBox 13">
+            <a:extLst>
+              <a:ext uri="{FF2B5EF4-FFF2-40B4-BE49-F238E27FC236}">
+                <a16:creationId xmlns:a16="http://schemas.microsoft.com/office/drawing/2014/main" id="{88356DFE-C73C-463B-5054-67A2B84B10B4}"/>
+              </a:ext>
+            </a:extLst>
+          </p:cNvPr>
+          <p:cNvSpPr txBox="1"/>
+          <p:nvPr/>
+        </p:nvSpPr>
+        <p:spPr>
+          <a:xfrm>
+            <a:off x="368444" y="2420575"/>
+            <a:ext cx="3783973" cy="1477328"/>
+          </a:xfrm>
+          <a:prstGeom prst="rect">
+            <a:avLst/>
+          </a:prstGeom>
+          <a:solidFill>
+            <a:schemeClr val="accent4"/>
+          </a:solidFill>
+          <a:ln w="19050">
+            <a:solidFill>
+              <a:srgbClr val="FF0000"/>
+            </a:solidFill>
+          </a:ln>
+        </p:spPr>
+        <p:txBody>
+          <a:bodyPr wrap="square" rtlCol="0" anchor="ctr">
+            <a:spAutoFit/>
+          </a:bodyPr>
+          <a:lstStyle/>
+          <a:p>
+            <a:pPr algn="ctr"/>
+            <a:r>
+              <a:rPr lang="en-US" dirty="0"/>
+              <a:t>The API includes routes to a map with points for each restaurant in the dataset, graphs from our analysis, a </a:t>
+            </a:r>
+            <a:r>
+              <a:rPr lang="en-US" dirty="0" err="1"/>
+              <a:t>json</a:t>
+            </a:r>
+            <a:r>
+              <a:rPr lang="en-US" dirty="0"/>
+              <a:t> file of the dataset, and a table of the data.</a:t>
+            </a:r>
           </a:p>
         </p:txBody>
       </p:sp>
     </p:spTree>
     <p:extLst>
       <p:ext uri="{BB962C8B-B14F-4D97-AF65-F5344CB8AC3E}">
-        <p14:creationId xmlns:p14="http://schemas.microsoft.com/office/powerpoint/2010/main" val="2770362950"/>
+        <p14:creationId xmlns:p14="http://schemas.microsoft.com/office/powerpoint/2010/main" val="1301664293"/>
       </p:ext>
     </p:extLst>
   </p:cSld>
@@ -3879,51 +4553,164 @@
           <a:p>
             <a:r>
               <a:rPr lang="en-US" dirty="0"/>
-              <a:t>Creation of </a:t>
-            </a:r>
-            <a:r>
-              <a:rPr lang="en-US" dirty="0" err="1"/>
-              <a:t>Javascript</a:t>
-            </a:r>
-            <a:r>
-              <a:rPr lang="en-US" dirty="0"/>
-              <a:t> File</a:t>
-            </a:r>
-          </a:p>
-        </p:txBody>
-      </p:sp>
-      <p:sp>
-        <p:nvSpPr>
-          <p:cNvPr id="3" name="Content Placeholder 2">
+              <a:t>Analysis and Findings</a:t>
+            </a:r>
+          </a:p>
+        </p:txBody>
+      </p:sp>
+      <p:pic>
+        <p:nvPicPr>
+          <p:cNvPr id="5" name="Content Placeholder 4" descr="A graph with blue squares&#10;&#10;Description automatically generated">
             <a:extLst>
               <a:ext uri="{FF2B5EF4-FFF2-40B4-BE49-F238E27FC236}">
-                <a16:creationId xmlns:a16="http://schemas.microsoft.com/office/drawing/2014/main" id="{E8AAF675-9591-4B1B-C70B-C128FDEC059E}"/>
+                <a16:creationId xmlns:a16="http://schemas.microsoft.com/office/drawing/2014/main" id="{12341EB7-E7C6-6294-24D1-884E2FF78853}"/>
               </a:ext>
             </a:extLst>
           </p:cNvPr>
-          <p:cNvSpPr>
-            <a:spLocks noGrp="1"/>
-          </p:cNvSpPr>
+          <p:cNvPicPr>
+            <a:picLocks noGrp="1" noChangeAspect="1"/>
+          </p:cNvPicPr>
           <p:nvPr>
             <p:ph idx="1"/>
           </p:nvPr>
-        </p:nvSpPr>
-        <p:spPr/>
-        <p:txBody>
-          <a:bodyPr/>
-          <a:lstStyle/>
-          <a:p>
-            <a:pPr marL="0" indent="0">
-              <a:buNone/>
-            </a:pPr>
-            <a:endParaRPr lang="en-US" dirty="0"/>
+        </p:nvPicPr>
+        <p:blipFill>
+          <a:blip r:embed="rId2">
+            <a:extLst>
+              <a:ext uri="{28A0092B-C50C-407E-A947-70E740481C1C}">
+                <a14:useLocalDpi xmlns:a14="http://schemas.microsoft.com/office/drawing/2010/main" val="0"/>
+              </a:ext>
+            </a:extLst>
+          </a:blip>
+          <a:stretch>
+            <a:fillRect/>
+          </a:stretch>
+        </p:blipFill>
+        <p:spPr>
+          <a:xfrm>
+            <a:off x="641120" y="4003472"/>
+            <a:ext cx="7136318" cy="2854527"/>
+          </a:xfrm>
+        </p:spPr>
+      </p:pic>
+      <p:pic>
+        <p:nvPicPr>
+          <p:cNvPr id="7" name="Picture 6" descr="A pie chart with a number of different colored circles">
+            <a:extLst>
+              <a:ext uri="{FF2B5EF4-FFF2-40B4-BE49-F238E27FC236}">
+                <a16:creationId xmlns:a16="http://schemas.microsoft.com/office/drawing/2014/main" id="{D219689B-926E-3527-0DC3-BCF71ACDFC22}"/>
+              </a:ext>
+            </a:extLst>
+          </p:cNvPr>
+          <p:cNvPicPr>
+            <a:picLocks noChangeAspect="1"/>
+          </p:cNvPicPr>
+          <p:nvPr/>
+        </p:nvPicPr>
+        <p:blipFill>
+          <a:blip r:embed="rId3">
+            <a:extLst>
+              <a:ext uri="{28A0092B-C50C-407E-A947-70E740481C1C}">
+                <a14:useLocalDpi xmlns:a14="http://schemas.microsoft.com/office/drawing/2010/main" val="0"/>
+              </a:ext>
+            </a:extLst>
+          </a:blip>
+          <a:stretch>
+            <a:fillRect/>
+          </a:stretch>
+        </p:blipFill>
+        <p:spPr>
+          <a:xfrm>
+            <a:off x="7777438" y="4171748"/>
+            <a:ext cx="3787539" cy="2686252"/>
+          </a:xfrm>
+          <a:prstGeom prst="rect">
+            <a:avLst/>
+          </a:prstGeom>
+        </p:spPr>
+      </p:pic>
+      <p:pic>
+        <p:nvPicPr>
+          <p:cNvPr id="9" name="Picture 8" descr="A blue rectangular bars with black text&#10;&#10;Description automatically generated">
+            <a:extLst>
+              <a:ext uri="{FF2B5EF4-FFF2-40B4-BE49-F238E27FC236}">
+                <a16:creationId xmlns:a16="http://schemas.microsoft.com/office/drawing/2014/main" id="{B4EEA4A5-FDF0-E0BA-9B24-E4CDF2DAB59F}"/>
+              </a:ext>
+            </a:extLst>
+          </p:cNvPr>
+          <p:cNvPicPr>
+            <a:picLocks noChangeAspect="1"/>
+          </p:cNvPicPr>
+          <p:nvPr/>
+        </p:nvPicPr>
+        <p:blipFill>
+          <a:blip r:embed="rId4">
+            <a:extLst>
+              <a:ext uri="{28A0092B-C50C-407E-A947-70E740481C1C}">
+                <a14:useLocalDpi xmlns:a14="http://schemas.microsoft.com/office/drawing/2010/main" val="0"/>
+              </a:ext>
+            </a:extLst>
+          </a:blip>
+          <a:stretch>
+            <a:fillRect/>
+          </a:stretch>
+        </p:blipFill>
+        <p:spPr>
+          <a:xfrm>
+            <a:off x="4643477" y="1403148"/>
+            <a:ext cx="6921500" cy="2768600"/>
+          </a:xfrm>
+          <a:prstGeom prst="rect">
+            <a:avLst/>
+          </a:prstGeom>
+        </p:spPr>
+      </p:pic>
+      <p:sp>
+        <p:nvSpPr>
+          <p:cNvPr id="10" name="TextBox 9">
+            <a:extLst>
+              <a:ext uri="{FF2B5EF4-FFF2-40B4-BE49-F238E27FC236}">
+                <a16:creationId xmlns:a16="http://schemas.microsoft.com/office/drawing/2014/main" id="{EE1127B1-5FDE-533B-44EC-CC5EEE7506FE}"/>
+              </a:ext>
+            </a:extLst>
+          </p:cNvPr>
+          <p:cNvSpPr txBox="1"/>
+          <p:nvPr/>
+        </p:nvSpPr>
+        <p:spPr>
+          <a:xfrm>
+            <a:off x="899212" y="2053933"/>
+            <a:ext cx="3486174" cy="1200329"/>
+          </a:xfrm>
+          <a:prstGeom prst="rect">
+            <a:avLst/>
+          </a:prstGeom>
+          <a:solidFill>
+            <a:schemeClr val="accent4"/>
+          </a:solidFill>
+          <a:ln w="19050">
+            <a:solidFill>
+              <a:srgbClr val="FF0000"/>
+            </a:solidFill>
+          </a:ln>
+        </p:spPr>
+        <p:txBody>
+          <a:bodyPr wrap="square" rtlCol="0">
+            <a:spAutoFit/>
+          </a:bodyPr>
+          <a:lstStyle/>
+          <a:p>
+            <a:r>
+              <a:rPr lang="en-US" dirty="0"/>
+              <a:t>The top fast food franchises’ types match up well with the most common category keywords from the data cleaning process. </a:t>
+            </a:r>
           </a:p>
         </p:txBody>
       </p:sp>
     </p:spTree>
     <p:extLst>
       <p:ext uri="{BB962C8B-B14F-4D97-AF65-F5344CB8AC3E}">
-        <p14:creationId xmlns:p14="http://schemas.microsoft.com/office/powerpoint/2010/main" val="3227257072"/>
+        <p14:creationId xmlns:p14="http://schemas.microsoft.com/office/powerpoint/2010/main" val="2715119197"/>
       </p:ext>
     </p:extLst>
   </p:cSld>
@@ -3984,33 +4771,275 @@
           <a:p>
             <a:r>
               <a:rPr lang="en-US" dirty="0"/>
-              <a:t>Research Areas</a:t>
-            </a:r>
-          </a:p>
-        </p:txBody>
-      </p:sp>
-      <p:sp>
-        <p:nvSpPr>
-          <p:cNvPr id="3" name="Content Placeholder 2">
+              <a:t>Application</a:t>
+            </a:r>
+          </a:p>
+        </p:txBody>
+      </p:sp>
+      <p:pic>
+        <p:nvPicPr>
+          <p:cNvPr id="1026" name="Picture 2" descr="Woman using mobile phone while siting at restaurant — people, refreshment -  Stock Photo | #227258550">
             <a:extLst>
               <a:ext uri="{FF2B5EF4-FFF2-40B4-BE49-F238E27FC236}">
-                <a16:creationId xmlns:a16="http://schemas.microsoft.com/office/drawing/2014/main" id="{E8AAF675-9591-4B1B-C70B-C128FDEC059E}"/>
+                <a16:creationId xmlns:a16="http://schemas.microsoft.com/office/drawing/2014/main" id="{72BD1923-021B-E6DE-A044-BFF5AEE65388}"/>
               </a:ext>
             </a:extLst>
           </p:cNvPr>
-          <p:cNvSpPr>
-            <a:spLocks noGrp="1"/>
-          </p:cNvSpPr>
-          <p:nvPr>
-            <p:ph idx="1"/>
-          </p:nvPr>
-        </p:nvSpPr>
-        <p:spPr/>
-        <p:txBody>
-          <a:bodyPr/>
-          <a:lstStyle/>
-          <a:p>
-            <a:endParaRPr lang="en-US"/>
+          <p:cNvPicPr>
+            <a:picLocks noChangeAspect="1" noChangeArrowheads="1"/>
+          </p:cNvPicPr>
+          <p:nvPr/>
+        </p:nvPicPr>
+        <p:blipFill>
+          <a:blip r:embed="rId2">
+            <a:extLst>
+              <a:ext uri="{28A0092B-C50C-407E-A947-70E740481C1C}">
+                <a14:useLocalDpi xmlns:a14="http://schemas.microsoft.com/office/drawing/2010/main" val="0"/>
+              </a:ext>
+            </a:extLst>
+          </a:blip>
+          <a:srcRect/>
+          <a:stretch>
+            <a:fillRect/>
+          </a:stretch>
+        </p:blipFill>
+        <p:spPr bwMode="auto">
+          <a:xfrm>
+            <a:off x="6905625" y="1027906"/>
+            <a:ext cx="4282182" cy="2854788"/>
+          </a:xfrm>
+          <a:prstGeom prst="rect">
+            <a:avLst/>
+          </a:prstGeom>
+          <a:noFill/>
+          <a:extLst>
+            <a:ext uri="{909E8E84-426E-40DD-AFC4-6F175D3DCCD1}">
+              <a14:hiddenFill xmlns:a14="http://schemas.microsoft.com/office/drawing/2010/main">
+                <a:solidFill>
+                  <a:srgbClr val="FFFFFF"/>
+                </a:solidFill>
+              </a14:hiddenFill>
+            </a:ext>
+          </a:extLst>
+        </p:spPr>
+      </p:pic>
+      <p:pic>
+        <p:nvPicPr>
+          <p:cNvPr id="1028" name="Picture 4" descr="Your First Year as a Restaurant Owner: What to Expect">
+            <a:extLst>
+              <a:ext uri="{FF2B5EF4-FFF2-40B4-BE49-F238E27FC236}">
+                <a16:creationId xmlns:a16="http://schemas.microsoft.com/office/drawing/2014/main" id="{F181B054-1FA7-2D54-0977-7391D3829430}"/>
+              </a:ext>
+            </a:extLst>
+          </p:cNvPr>
+          <p:cNvPicPr>
+            <a:picLocks noChangeAspect="1" noChangeArrowheads="1"/>
+          </p:cNvPicPr>
+          <p:nvPr/>
+        </p:nvPicPr>
+        <p:blipFill>
+          <a:blip r:embed="rId3">
+            <a:extLst>
+              <a:ext uri="{28A0092B-C50C-407E-A947-70E740481C1C}">
+                <a14:useLocalDpi xmlns:a14="http://schemas.microsoft.com/office/drawing/2010/main" val="0"/>
+              </a:ext>
+            </a:extLst>
+          </a:blip>
+          <a:srcRect/>
+          <a:stretch>
+            <a:fillRect/>
+          </a:stretch>
+        </p:blipFill>
+        <p:spPr bwMode="auto">
+          <a:xfrm>
+            <a:off x="1004193" y="1709012"/>
+            <a:ext cx="4433888" cy="2333625"/>
+          </a:xfrm>
+          <a:prstGeom prst="rect">
+            <a:avLst/>
+          </a:prstGeom>
+          <a:noFill/>
+          <a:extLst>
+            <a:ext uri="{909E8E84-426E-40DD-AFC4-6F175D3DCCD1}">
+              <a14:hiddenFill xmlns:a14="http://schemas.microsoft.com/office/drawing/2010/main">
+                <a:solidFill>
+                  <a:srgbClr val="FFFFFF"/>
+                </a:solidFill>
+              </a14:hiddenFill>
+            </a:ext>
+          </a:extLst>
+        </p:spPr>
+      </p:pic>
+      <p:pic>
+        <p:nvPicPr>
+          <p:cNvPr id="1034" name="Picture 10" descr="Want To Be The Next Great LAist Food Writer? | LAist">
+            <a:extLst>
+              <a:ext uri="{FF2B5EF4-FFF2-40B4-BE49-F238E27FC236}">
+                <a16:creationId xmlns:a16="http://schemas.microsoft.com/office/drawing/2014/main" id="{A0E0025A-73A8-354C-48B4-344AD8D9C623}"/>
+              </a:ext>
+            </a:extLst>
+          </p:cNvPr>
+          <p:cNvPicPr>
+            <a:picLocks noChangeAspect="1" noChangeArrowheads="1"/>
+          </p:cNvPicPr>
+          <p:nvPr/>
+        </p:nvPicPr>
+        <p:blipFill>
+          <a:blip r:embed="rId4">
+            <a:extLst>
+              <a:ext uri="{28A0092B-C50C-407E-A947-70E740481C1C}">
+                <a14:useLocalDpi xmlns:a14="http://schemas.microsoft.com/office/drawing/2010/main" val="0"/>
+              </a:ext>
+            </a:extLst>
+          </a:blip>
+          <a:srcRect/>
+          <a:stretch>
+            <a:fillRect/>
+          </a:stretch>
+        </p:blipFill>
+        <p:spPr bwMode="auto">
+          <a:xfrm>
+            <a:off x="4619625" y="4151546"/>
+            <a:ext cx="3600450" cy="2393481"/>
+          </a:xfrm>
+          <a:prstGeom prst="rect">
+            <a:avLst/>
+          </a:prstGeom>
+          <a:noFill/>
+          <a:extLst>
+            <a:ext uri="{909E8E84-426E-40DD-AFC4-6F175D3DCCD1}">
+              <a14:hiddenFill xmlns:a14="http://schemas.microsoft.com/office/drawing/2010/main">
+                <a:solidFill>
+                  <a:srgbClr val="FFFFFF"/>
+                </a:solidFill>
+              </a14:hiddenFill>
+            </a:ext>
+          </a:extLst>
+        </p:spPr>
+      </p:pic>
+      <p:sp>
+        <p:nvSpPr>
+          <p:cNvPr id="4" name="TextBox 3">
+            <a:extLst>
+              <a:ext uri="{FF2B5EF4-FFF2-40B4-BE49-F238E27FC236}">
+                <a16:creationId xmlns:a16="http://schemas.microsoft.com/office/drawing/2014/main" id="{CA5E6A10-D79C-D96B-005C-868244180258}"/>
+              </a:ext>
+            </a:extLst>
+          </p:cNvPr>
+          <p:cNvSpPr txBox="1"/>
+          <p:nvPr/>
+        </p:nvSpPr>
+        <p:spPr>
+          <a:xfrm>
+            <a:off x="3467100" y="1469892"/>
+            <a:ext cx="2871684" cy="369332"/>
+          </a:xfrm>
+          <a:prstGeom prst="rect">
+            <a:avLst/>
+          </a:prstGeom>
+          <a:solidFill>
+            <a:schemeClr val="accent4"/>
+          </a:solidFill>
+          <a:ln w="19050">
+            <a:solidFill>
+              <a:srgbClr val="FF0000"/>
+            </a:solidFill>
+          </a:ln>
+        </p:spPr>
+        <p:txBody>
+          <a:bodyPr wrap="none" rtlCol="0">
+            <a:spAutoFit/>
+          </a:bodyPr>
+          <a:lstStyle/>
+          <a:p>
+            <a:r>
+              <a:rPr lang="en-US" dirty="0"/>
+              <a:t>Prospective business owners</a:t>
+            </a:r>
+          </a:p>
+        </p:txBody>
+      </p:sp>
+      <p:sp>
+        <p:nvSpPr>
+          <p:cNvPr id="5" name="TextBox 4">
+            <a:extLst>
+              <a:ext uri="{FF2B5EF4-FFF2-40B4-BE49-F238E27FC236}">
+                <a16:creationId xmlns:a16="http://schemas.microsoft.com/office/drawing/2014/main" id="{C8E17282-0F35-9665-3CAD-327271250A92}"/>
+              </a:ext>
+            </a:extLst>
+          </p:cNvPr>
+          <p:cNvSpPr txBox="1"/>
+          <p:nvPr/>
+        </p:nvSpPr>
+        <p:spPr>
+          <a:xfrm>
+            <a:off x="2566397" y="6284604"/>
+            <a:ext cx="2905795" cy="369332"/>
+          </a:xfrm>
+          <a:prstGeom prst="rect">
+            <a:avLst/>
+          </a:prstGeom>
+          <a:solidFill>
+            <a:schemeClr val="accent4"/>
+          </a:solidFill>
+          <a:ln w="19050">
+            <a:solidFill>
+              <a:srgbClr val="FF0000"/>
+            </a:solidFill>
+          </a:ln>
+        </p:spPr>
+        <p:txBody>
+          <a:bodyPr wrap="none" rtlCol="0">
+            <a:spAutoFit/>
+          </a:bodyPr>
+          <a:lstStyle/>
+          <a:p>
+            <a:r>
+              <a:rPr lang="en-US" dirty="0"/>
+              <a:t>Food writers and researchers</a:t>
+            </a:r>
+          </a:p>
+        </p:txBody>
+      </p:sp>
+      <p:sp>
+        <p:nvSpPr>
+          <p:cNvPr id="6" name="TextBox 5">
+            <a:extLst>
+              <a:ext uri="{FF2B5EF4-FFF2-40B4-BE49-F238E27FC236}">
+                <a16:creationId xmlns:a16="http://schemas.microsoft.com/office/drawing/2014/main" id="{C876FC73-A8EF-3D28-ABE9-C421C2E4737A}"/>
+              </a:ext>
+            </a:extLst>
+          </p:cNvPr>
+          <p:cNvSpPr txBox="1"/>
+          <p:nvPr/>
+        </p:nvSpPr>
+        <p:spPr>
+          <a:xfrm>
+            <a:off x="7772400" y="3567817"/>
+            <a:ext cx="4107471" cy="369332"/>
+          </a:xfrm>
+          <a:prstGeom prst="rect">
+            <a:avLst/>
+          </a:prstGeom>
+          <a:solidFill>
+            <a:schemeClr val="accent4"/>
+          </a:solidFill>
+          <a:ln w="19050">
+            <a:solidFill>
+              <a:srgbClr val="FF0000"/>
+            </a:solidFill>
+          </a:ln>
+        </p:spPr>
+        <p:txBody>
+          <a:bodyPr wrap="none" rtlCol="0">
+            <a:spAutoFit/>
+          </a:bodyPr>
+          <a:lstStyle/>
+          <a:p>
+            <a:r>
+              <a:rPr lang="en-US" dirty="0"/>
+              <a:t>Everyday people looking for a place to eat</a:t>
+            </a:r>
           </a:p>
         </p:txBody>
       </p:sp>
@@ -4018,100 +5047,6 @@
     <p:extLst>
       <p:ext uri="{BB962C8B-B14F-4D97-AF65-F5344CB8AC3E}">
         <p14:creationId xmlns:p14="http://schemas.microsoft.com/office/powerpoint/2010/main" val="2748351852"/>
-      </p:ext>
-    </p:extLst>
-  </p:cSld>
-  <p:clrMapOvr>
-    <a:masterClrMapping/>
-  </p:clrMapOvr>
-</p:sld>
-</file>
-
-<file path=ppt/slides/slide9.xml><?xml version="1.0" encoding="utf-8"?>
-<p:sld xmlns:a="http://schemas.openxmlformats.org/drawingml/2006/main" xmlns:r="http://schemas.openxmlformats.org/officeDocument/2006/relationships" xmlns:p="http://schemas.openxmlformats.org/presentationml/2006/main">
-  <p:cSld>
-    <p:bg>
-      <p:bgPr>
-        <a:solidFill>
-          <a:schemeClr val="accent4">
-            <a:lumMod val="20000"/>
-            <a:lumOff val="80000"/>
-          </a:schemeClr>
-        </a:solidFill>
-        <a:effectLst/>
-      </p:bgPr>
-    </p:bg>
-    <p:spTree>
-      <p:nvGrpSpPr>
-        <p:cNvPr id="1" name=""/>
-        <p:cNvGrpSpPr/>
-        <p:nvPr/>
-      </p:nvGrpSpPr>
-      <p:grpSpPr>
-        <a:xfrm>
-          <a:off x="0" y="0"/>
-          <a:ext cx="0" cy="0"/>
-          <a:chOff x="0" y="0"/>
-          <a:chExt cx="0" cy="0"/>
-        </a:xfrm>
-      </p:grpSpPr>
-      <p:sp>
-        <p:nvSpPr>
-          <p:cNvPr id="2" name="Title 1">
-            <a:extLst>
-              <a:ext uri="{FF2B5EF4-FFF2-40B4-BE49-F238E27FC236}">
-                <a16:creationId xmlns:a16="http://schemas.microsoft.com/office/drawing/2014/main" id="{88D33691-B99D-7F34-2705-065274538205}"/>
-              </a:ext>
-            </a:extLst>
-          </p:cNvPr>
-          <p:cNvSpPr>
-            <a:spLocks noGrp="1"/>
-          </p:cNvSpPr>
-          <p:nvPr>
-            <p:ph type="title"/>
-          </p:nvPr>
-        </p:nvSpPr>
-        <p:spPr/>
-        <p:txBody>
-          <a:bodyPr/>
-          <a:lstStyle/>
-          <a:p>
-            <a:r>
-              <a:rPr lang="en-US" dirty="0"/>
-              <a:t>Findings/Analysis</a:t>
-            </a:r>
-          </a:p>
-        </p:txBody>
-      </p:sp>
-      <p:sp>
-        <p:nvSpPr>
-          <p:cNvPr id="3" name="Content Placeholder 2">
-            <a:extLst>
-              <a:ext uri="{FF2B5EF4-FFF2-40B4-BE49-F238E27FC236}">
-                <a16:creationId xmlns:a16="http://schemas.microsoft.com/office/drawing/2014/main" id="{E8AAF675-9591-4B1B-C70B-C128FDEC059E}"/>
-              </a:ext>
-            </a:extLst>
-          </p:cNvPr>
-          <p:cNvSpPr>
-            <a:spLocks noGrp="1"/>
-          </p:cNvSpPr>
-          <p:nvPr>
-            <p:ph idx="1"/>
-          </p:nvPr>
-        </p:nvSpPr>
-        <p:spPr/>
-        <p:txBody>
-          <a:bodyPr/>
-          <a:lstStyle/>
-          <a:p>
-            <a:endParaRPr lang="en-US"/>
-          </a:p>
-        </p:txBody>
-      </p:sp>
-    </p:spTree>
-    <p:extLst>
-      <p:ext uri="{BB962C8B-B14F-4D97-AF65-F5344CB8AC3E}">
-        <p14:creationId xmlns:p14="http://schemas.microsoft.com/office/powerpoint/2010/main" val="2715119197"/>
       </p:ext>
     </p:extLst>
   </p:cSld>

--- a/restaurants_presentation.pptx
+++ b/restaurants_presentation.pptx
@@ -113,6 +113,11 @@
       </a:defRPr>
     </a:lvl9pPr>
   </p:defaultTextStyle>
+  <p:extLst>
+    <p:ext uri="{EFAFB233-063F-42B5-8137-9DF3F51BA10A}">
+      <p15:sldGuideLst xmlns:p15="http://schemas.microsoft.com/office/powerpoint/2012/main"/>
+    </p:ext>
+  </p:extLst>
 </p:presentation>
 </file>
 
@@ -247,7 +252,7 @@
           <a:p>
             <a:fld id="{FA42A7FF-A600-4E8D-9DCC-A10DE3C211FA}" type="datetimeFigureOut">
               <a:rPr lang="en-US" smtClean="0"/>
-              <a:t>9/22/2023</a:t>
+              <a:t>9/25/2023</a:t>
             </a:fld>
             <a:endParaRPr lang="en-US"/>
           </a:p>
@@ -417,7 +422,7 @@
           <a:p>
             <a:fld id="{FA42A7FF-A600-4E8D-9DCC-A10DE3C211FA}" type="datetimeFigureOut">
               <a:rPr lang="en-US" smtClean="0"/>
-              <a:t>9/22/2023</a:t>
+              <a:t>9/25/2023</a:t>
             </a:fld>
             <a:endParaRPr lang="en-US"/>
           </a:p>
@@ -597,7 +602,7 @@
           <a:p>
             <a:fld id="{FA42A7FF-A600-4E8D-9DCC-A10DE3C211FA}" type="datetimeFigureOut">
               <a:rPr lang="en-US" smtClean="0"/>
-              <a:t>9/22/2023</a:t>
+              <a:t>9/25/2023</a:t>
             </a:fld>
             <a:endParaRPr lang="en-US"/>
           </a:p>
@@ -767,7 +772,7 @@
           <a:p>
             <a:fld id="{FA42A7FF-A600-4E8D-9DCC-A10DE3C211FA}" type="datetimeFigureOut">
               <a:rPr lang="en-US" smtClean="0"/>
-              <a:t>9/22/2023</a:t>
+              <a:t>9/25/2023</a:t>
             </a:fld>
             <a:endParaRPr lang="en-US"/>
           </a:p>
@@ -1013,7 +1018,7 @@
           <a:p>
             <a:fld id="{FA42A7FF-A600-4E8D-9DCC-A10DE3C211FA}" type="datetimeFigureOut">
               <a:rPr lang="en-US" smtClean="0"/>
-              <a:t>9/22/2023</a:t>
+              <a:t>9/25/2023</a:t>
             </a:fld>
             <a:endParaRPr lang="en-US"/>
           </a:p>
@@ -1245,7 +1250,7 @@
           <a:p>
             <a:fld id="{FA42A7FF-A600-4E8D-9DCC-A10DE3C211FA}" type="datetimeFigureOut">
               <a:rPr lang="en-US" smtClean="0"/>
-              <a:t>9/22/2023</a:t>
+              <a:t>9/25/2023</a:t>
             </a:fld>
             <a:endParaRPr lang="en-US"/>
           </a:p>
@@ -1612,7 +1617,7 @@
           <a:p>
             <a:fld id="{FA42A7FF-A600-4E8D-9DCC-A10DE3C211FA}" type="datetimeFigureOut">
               <a:rPr lang="en-US" smtClean="0"/>
-              <a:t>9/22/2023</a:t>
+              <a:t>9/25/2023</a:t>
             </a:fld>
             <a:endParaRPr lang="en-US"/>
           </a:p>
@@ -1730,7 +1735,7 @@
           <a:p>
             <a:fld id="{FA42A7FF-A600-4E8D-9DCC-A10DE3C211FA}" type="datetimeFigureOut">
               <a:rPr lang="en-US" smtClean="0"/>
-              <a:t>9/22/2023</a:t>
+              <a:t>9/25/2023</a:t>
             </a:fld>
             <a:endParaRPr lang="en-US"/>
           </a:p>
@@ -1825,7 +1830,7 @@
           <a:p>
             <a:fld id="{FA42A7FF-A600-4E8D-9DCC-A10DE3C211FA}" type="datetimeFigureOut">
               <a:rPr lang="en-US" smtClean="0"/>
-              <a:t>9/22/2023</a:t>
+              <a:t>9/25/2023</a:t>
             </a:fld>
             <a:endParaRPr lang="en-US"/>
           </a:p>
@@ -2102,7 +2107,7 @@
           <a:p>
             <a:fld id="{FA42A7FF-A600-4E8D-9DCC-A10DE3C211FA}" type="datetimeFigureOut">
               <a:rPr lang="en-US" smtClean="0"/>
-              <a:t>9/22/2023</a:t>
+              <a:t>9/25/2023</a:t>
             </a:fld>
             <a:endParaRPr lang="en-US"/>
           </a:p>
@@ -2359,7 +2364,7 @@
           <a:p>
             <a:fld id="{FA42A7FF-A600-4E8D-9DCC-A10DE3C211FA}" type="datetimeFigureOut">
               <a:rPr lang="en-US" smtClean="0"/>
-              <a:t>9/22/2023</a:t>
+              <a:t>9/25/2023</a:t>
             </a:fld>
             <a:endParaRPr lang="en-US"/>
           </a:p>
@@ -2572,7 +2577,7 @@
           <a:p>
             <a:fld id="{FA42A7FF-A600-4E8D-9DCC-A10DE3C211FA}" type="datetimeFigureOut">
               <a:rPr lang="en-US" smtClean="0"/>
-              <a:t>9/22/2023</a:t>
+              <a:t>9/25/2023</a:t>
             </a:fld>
             <a:endParaRPr lang="en-US"/>
           </a:p>
